--- a/images/images.pptx
+++ b/images/images.pptx
@@ -13,6 +13,7 @@
     <p:sldId id="263" r:id="rId7"/>
     <p:sldId id="264" r:id="rId8"/>
     <p:sldId id="265" r:id="rId9"/>
+    <p:sldId id="266" r:id="rId10"/>
   </p:sldIdLst>
   <p:sldSz cx="12192000" cy="6858000"/>
   <p:notesSz cx="6858000" cy="9144000"/>
@@ -266,7 +267,7 @@
           <a:p>
             <a:fld id="{EBBEF845-68F2-49D6-B583-1A294FD9AB7A}" type="datetimeFigureOut">
               <a:rPr lang="zh-CN" altLang="en-US" smtClean="0"/>
-              <a:t>2024/11/7</a:t>
+              <a:t>2024/11/18</a:t>
             </a:fld>
             <a:endParaRPr lang="zh-CN" altLang="en-US"/>
           </a:p>
@@ -464,7 +465,7 @@
           <a:p>
             <a:fld id="{EBBEF845-68F2-49D6-B583-1A294FD9AB7A}" type="datetimeFigureOut">
               <a:rPr lang="zh-CN" altLang="en-US" smtClean="0"/>
-              <a:t>2024/11/7</a:t>
+              <a:t>2024/11/18</a:t>
             </a:fld>
             <a:endParaRPr lang="zh-CN" altLang="en-US"/>
           </a:p>
@@ -672,7 +673,7 @@
           <a:p>
             <a:fld id="{EBBEF845-68F2-49D6-B583-1A294FD9AB7A}" type="datetimeFigureOut">
               <a:rPr lang="zh-CN" altLang="en-US" smtClean="0"/>
-              <a:t>2024/11/7</a:t>
+              <a:t>2024/11/18</a:t>
             </a:fld>
             <a:endParaRPr lang="zh-CN" altLang="en-US"/>
           </a:p>
@@ -870,7 +871,7 @@
           <a:p>
             <a:fld id="{EBBEF845-68F2-49D6-B583-1A294FD9AB7A}" type="datetimeFigureOut">
               <a:rPr lang="zh-CN" altLang="en-US" smtClean="0"/>
-              <a:t>2024/11/7</a:t>
+              <a:t>2024/11/18</a:t>
             </a:fld>
             <a:endParaRPr lang="zh-CN" altLang="en-US"/>
           </a:p>
@@ -1145,7 +1146,7 @@
           <a:p>
             <a:fld id="{EBBEF845-68F2-49D6-B583-1A294FD9AB7A}" type="datetimeFigureOut">
               <a:rPr lang="zh-CN" altLang="en-US" smtClean="0"/>
-              <a:t>2024/11/7</a:t>
+              <a:t>2024/11/18</a:t>
             </a:fld>
             <a:endParaRPr lang="zh-CN" altLang="en-US"/>
           </a:p>
@@ -1410,7 +1411,7 @@
           <a:p>
             <a:fld id="{EBBEF845-68F2-49D6-B583-1A294FD9AB7A}" type="datetimeFigureOut">
               <a:rPr lang="zh-CN" altLang="en-US" smtClean="0"/>
-              <a:t>2024/11/7</a:t>
+              <a:t>2024/11/18</a:t>
             </a:fld>
             <a:endParaRPr lang="zh-CN" altLang="en-US"/>
           </a:p>
@@ -1822,7 +1823,7 @@
           <a:p>
             <a:fld id="{EBBEF845-68F2-49D6-B583-1A294FD9AB7A}" type="datetimeFigureOut">
               <a:rPr lang="zh-CN" altLang="en-US" smtClean="0"/>
-              <a:t>2024/11/7</a:t>
+              <a:t>2024/11/18</a:t>
             </a:fld>
             <a:endParaRPr lang="zh-CN" altLang="en-US"/>
           </a:p>
@@ -1963,7 +1964,7 @@
           <a:p>
             <a:fld id="{EBBEF845-68F2-49D6-B583-1A294FD9AB7A}" type="datetimeFigureOut">
               <a:rPr lang="zh-CN" altLang="en-US" smtClean="0"/>
-              <a:t>2024/11/7</a:t>
+              <a:t>2024/11/18</a:t>
             </a:fld>
             <a:endParaRPr lang="zh-CN" altLang="en-US"/>
           </a:p>
@@ -2076,7 +2077,7 @@
           <a:p>
             <a:fld id="{EBBEF845-68F2-49D6-B583-1A294FD9AB7A}" type="datetimeFigureOut">
               <a:rPr lang="zh-CN" altLang="en-US" smtClean="0"/>
-              <a:t>2024/11/7</a:t>
+              <a:t>2024/11/18</a:t>
             </a:fld>
             <a:endParaRPr lang="zh-CN" altLang="en-US"/>
           </a:p>
@@ -2387,7 +2388,7 @@
           <a:p>
             <a:fld id="{EBBEF845-68F2-49D6-B583-1A294FD9AB7A}" type="datetimeFigureOut">
               <a:rPr lang="zh-CN" altLang="en-US" smtClean="0"/>
-              <a:t>2024/11/7</a:t>
+              <a:t>2024/11/18</a:t>
             </a:fld>
             <a:endParaRPr lang="zh-CN" altLang="en-US"/>
           </a:p>
@@ -2675,7 +2676,7 @@
           <a:p>
             <a:fld id="{EBBEF845-68F2-49D6-B583-1A294FD9AB7A}" type="datetimeFigureOut">
               <a:rPr lang="zh-CN" altLang="en-US" smtClean="0"/>
-              <a:t>2024/11/7</a:t>
+              <a:t>2024/11/18</a:t>
             </a:fld>
             <a:endParaRPr lang="zh-CN" altLang="en-US"/>
           </a:p>
@@ -2916,7 +2917,7 @@
           <a:p>
             <a:fld id="{EBBEF845-68F2-49D6-B583-1A294FD9AB7A}" type="datetimeFigureOut">
               <a:rPr lang="zh-CN" altLang="en-US" smtClean="0"/>
-              <a:t>2024/11/7</a:t>
+              <a:t>2024/11/18</a:t>
             </a:fld>
             <a:endParaRPr lang="zh-CN" altLang="en-US"/>
           </a:p>
@@ -4218,6 +4219,122 @@
 </p:sld>
 </file>
 
+<file path=ppt/slides/slide9.xml><?xml version="1.0" encoding="utf-8"?>
+<p:sld xmlns:a="http://schemas.openxmlformats.org/drawingml/2006/main" xmlns:r="http://schemas.openxmlformats.org/officeDocument/2006/relationships" xmlns:p="http://schemas.openxmlformats.org/presentationml/2006/main">
+  <p:cSld>
+    <p:bg>
+      <p:bgPr>
+        <a:blipFill>
+          <a:blip r:embed="rId2"/>
+          <a:tile tx="0" ty="0" sx="100000" sy="100000" flip="none" algn="tl"/>
+        </a:blipFill>
+        <a:effectLst/>
+      </p:bgPr>
+    </p:bg>
+    <p:spTree>
+      <p:nvGrpSpPr>
+        <p:cNvPr id="1" name="">
+          <a:extLst>
+            <a:ext uri="{FF2B5EF4-FFF2-40B4-BE49-F238E27FC236}">
+              <a16:creationId xmlns:a16="http://schemas.microsoft.com/office/drawing/2014/main" id="{8C8AA574-0C11-4A65-AFE8-5E8942F0ECB6}"/>
+            </a:ext>
+          </a:extLst>
+        </p:cNvPr>
+        <p:cNvGrpSpPr/>
+        <p:nvPr/>
+      </p:nvGrpSpPr>
+      <p:grpSpPr>
+        <a:xfrm>
+          <a:off x="0" y="0"/>
+          <a:ext cx="0" cy="0"/>
+          <a:chOff x="0" y="0"/>
+          <a:chExt cx="0" cy="0"/>
+        </a:xfrm>
+      </p:grpSpPr>
+      <p:sp>
+        <p:nvSpPr>
+          <p:cNvPr id="5" name="矩形 4">
+            <a:extLst>
+              <a:ext uri="{FF2B5EF4-FFF2-40B4-BE49-F238E27FC236}">
+                <a16:creationId xmlns:a16="http://schemas.microsoft.com/office/drawing/2014/main" id="{8C594307-6975-93EB-BACB-AC2D9A58DF87}"/>
+              </a:ext>
+            </a:extLst>
+          </p:cNvPr>
+          <p:cNvSpPr/>
+          <p:nvPr/>
+        </p:nvSpPr>
+        <p:spPr>
+          <a:xfrm>
+            <a:off x="0" y="2351385"/>
+            <a:ext cx="12192000" cy="1200329"/>
+          </a:xfrm>
+          <a:prstGeom prst="rect">
+            <a:avLst/>
+          </a:prstGeom>
+          <a:noFill/>
+        </p:spPr>
+        <p:txBody>
+          <a:bodyPr wrap="square" lIns="91440" tIns="45720" rIns="91440" bIns="45720">
+            <a:spAutoFit/>
+          </a:bodyPr>
+          <a:lstStyle/>
+          <a:p>
+            <a:pPr algn="ctr"/>
+            <a:r>
+              <a:rPr lang="en-US" altLang="zh-CN" sz="7200" b="1" dirty="0">
+                <a:ln w="12700">
+                  <a:solidFill>
+                    <a:srgbClr val="B18F67"/>
+                  </a:solidFill>
+                  <a:prstDash val="solid"/>
+                </a:ln>
+                <a:solidFill>
+                  <a:srgbClr val="BD9D75"/>
+                </a:solidFill>
+                <a:effectLst>
+                  <a:outerShdw dist="38100" dir="2640000" algn="bl" rotWithShape="0">
+                    <a:schemeClr val="tx2">
+                      <a:lumMod val="75000"/>
+                    </a:schemeClr>
+                  </a:outerShdw>
+                </a:effectLst>
+              </a:rPr>
+              <a:t>CPP Template: Chapter 09</a:t>
+            </a:r>
+            <a:endParaRPr lang="zh-CN" altLang="en-US" sz="7200" b="1" dirty="0">
+              <a:ln w="12700">
+                <a:solidFill>
+                  <a:srgbClr val="B18F67"/>
+                </a:solidFill>
+                <a:prstDash val="solid"/>
+              </a:ln>
+              <a:solidFill>
+                <a:srgbClr val="BD9D75"/>
+              </a:solidFill>
+              <a:effectLst>
+                <a:outerShdw dist="38100" dir="2640000" algn="bl" rotWithShape="0">
+                  <a:schemeClr val="tx2">
+                    <a:lumMod val="75000"/>
+                  </a:schemeClr>
+                </a:outerShdw>
+              </a:effectLst>
+            </a:endParaRPr>
+          </a:p>
+        </p:txBody>
+      </p:sp>
+    </p:spTree>
+    <p:extLst>
+      <p:ext uri="{BB962C8B-B14F-4D97-AF65-F5344CB8AC3E}">
+        <p14:creationId xmlns:p14="http://schemas.microsoft.com/office/powerpoint/2010/main" val="1630429594"/>
+      </p:ext>
+    </p:extLst>
+  </p:cSld>
+  <p:clrMapOvr>
+    <a:masterClrMapping/>
+  </p:clrMapOvr>
+</p:sld>
+</file>
+
 <file path=ppt/theme/theme1.xml><?xml version="1.0" encoding="utf-8"?>
 <a:theme xmlns:a="http://schemas.openxmlformats.org/drawingml/2006/main" name="Office 主题​​">
   <a:themeElements>
